--- a/121/NMOP/draft-ietf-nmop-network-anomaly-architecture-semantics-lifecycle.pptx
+++ b/121/NMOP/draft-ietf-nmop-network-anomaly-architecture-semantics-lifecycle.pptx
@@ -136,7 +136,7 @@
   <pc:docChgLst>
     <pc:chgData name="Graf Thomas, INI-NET-VNC-HCS" userId="487bc3e3-9ce7-4cdd-b7b4-8899ea88d289" providerId="ADAL" clId="{92E0BEDB-EFF2-4300-ACD0-25AED2A37988}"/>
     <pc:docChg chg="undo custSel addSld delSld modSld sldOrd">
-      <pc:chgData name="Graf Thomas, INI-NET-VNC-HCS" userId="487bc3e3-9ce7-4cdd-b7b4-8899ea88d289" providerId="ADAL" clId="{92E0BEDB-EFF2-4300-ACD0-25AED2A37988}" dt="2024-10-26T09:57:53.912" v="3431" actId="20577"/>
+      <pc:chgData name="Graf Thomas, INI-NET-VNC-HCS" userId="487bc3e3-9ce7-4cdd-b7b4-8899ea88d289" providerId="ADAL" clId="{92E0BEDB-EFF2-4300-ACD0-25AED2A37988}" dt="2024-10-29T14:47:19.437" v="3517" actId="20577"/>
       <pc:docMkLst>
         <pc:docMk/>
       </pc:docMkLst>
@@ -252,7 +252,7 @@
         </pc:cxnChg>
       </pc:sldChg>
       <pc:sldChg chg="modSp mod">
-        <pc:chgData name="Graf Thomas, INI-NET-VNC-HCS" userId="487bc3e3-9ce7-4cdd-b7b4-8899ea88d289" providerId="ADAL" clId="{92E0BEDB-EFF2-4300-ACD0-25AED2A37988}" dt="2024-10-26T09:57:53.912" v="3431" actId="20577"/>
+        <pc:chgData name="Graf Thomas, INI-NET-VNC-HCS" userId="487bc3e3-9ce7-4cdd-b7b4-8899ea88d289" providerId="ADAL" clId="{92E0BEDB-EFF2-4300-ACD0-25AED2A37988}" dt="2024-10-29T14:47:03.666" v="3515" actId="20577"/>
         <pc:sldMkLst>
           <pc:docMk/>
           <pc:sldMk cId="3578665336" sldId="1041"/>
@@ -266,7 +266,7 @@
           </ac:spMkLst>
         </pc:spChg>
         <pc:spChg chg="mod">
-          <ac:chgData name="Graf Thomas, INI-NET-VNC-HCS" userId="487bc3e3-9ce7-4cdd-b7b4-8899ea88d289" providerId="ADAL" clId="{92E0BEDB-EFF2-4300-ACD0-25AED2A37988}" dt="2024-10-26T09:57:53.912" v="3431" actId="20577"/>
+          <ac:chgData name="Graf Thomas, INI-NET-VNC-HCS" userId="487bc3e3-9ce7-4cdd-b7b4-8899ea88d289" providerId="ADAL" clId="{92E0BEDB-EFF2-4300-ACD0-25AED2A37988}" dt="2024-10-29T14:47:03.666" v="3515" actId="20577"/>
           <ac:spMkLst>
             <pc:docMk/>
             <pc:sldMk cId="3578665336" sldId="1041"/>
@@ -275,7 +275,7 @@
         </pc:spChg>
       </pc:sldChg>
       <pc:sldChg chg="addSp delSp modSp add mod">
-        <pc:chgData name="Graf Thomas, INI-NET-VNC-HCS" userId="487bc3e3-9ce7-4cdd-b7b4-8899ea88d289" providerId="ADAL" clId="{92E0BEDB-EFF2-4300-ACD0-25AED2A37988}" dt="2024-10-26T09:38:40.460" v="2979" actId="255"/>
+        <pc:chgData name="Graf Thomas, INI-NET-VNC-HCS" userId="487bc3e3-9ce7-4cdd-b7b4-8899ea88d289" providerId="ADAL" clId="{92E0BEDB-EFF2-4300-ACD0-25AED2A37988}" dt="2024-10-29T14:46:55.311" v="3513" actId="20577"/>
         <pc:sldMkLst>
           <pc:docMk/>
           <pc:sldMk cId="2578889968" sldId="26415"/>
@@ -289,7 +289,7 @@
           </ac:spMkLst>
         </pc:spChg>
         <pc:spChg chg="mod">
-          <ac:chgData name="Graf Thomas, INI-NET-VNC-HCS" userId="487bc3e3-9ce7-4cdd-b7b4-8899ea88d289" providerId="ADAL" clId="{92E0BEDB-EFF2-4300-ACD0-25AED2A37988}" dt="2024-10-26T09:38:40.460" v="2979" actId="255"/>
+          <ac:chgData name="Graf Thomas, INI-NET-VNC-HCS" userId="487bc3e3-9ce7-4cdd-b7b4-8899ea88d289" providerId="ADAL" clId="{92E0BEDB-EFF2-4300-ACD0-25AED2A37988}" dt="2024-10-29T14:46:55.311" v="3513" actId="20577"/>
           <ac:spMkLst>
             <pc:docMk/>
             <pc:sldMk cId="2578889968" sldId="26415"/>
@@ -694,7 +694,7 @@
         </pc:picChg>
       </pc:sldChg>
       <pc:sldChg chg="addSp delSp modSp add mod">
-        <pc:chgData name="Graf Thomas, INI-NET-VNC-HCS" userId="487bc3e3-9ce7-4cdd-b7b4-8899ea88d289" providerId="ADAL" clId="{92E0BEDB-EFF2-4300-ACD0-25AED2A37988}" dt="2024-10-26T09:39:08.951" v="2981" actId="20577"/>
+        <pc:chgData name="Graf Thomas, INI-NET-VNC-HCS" userId="487bc3e3-9ce7-4cdd-b7b4-8899ea88d289" providerId="ADAL" clId="{92E0BEDB-EFF2-4300-ACD0-25AED2A37988}" dt="2024-10-29T14:46:44.992" v="3509" actId="948"/>
         <pc:sldMkLst>
           <pc:docMk/>
           <pc:sldMk cId="269908607" sldId="2145706288"/>
@@ -708,7 +708,7 @@
           </ac:spMkLst>
         </pc:spChg>
         <pc:spChg chg="mod">
-          <ac:chgData name="Graf Thomas, INI-NET-VNC-HCS" userId="487bc3e3-9ce7-4cdd-b7b4-8899ea88d289" providerId="ADAL" clId="{92E0BEDB-EFF2-4300-ACD0-25AED2A37988}" dt="2024-10-26T09:39:08.951" v="2981" actId="20577"/>
+          <ac:chgData name="Graf Thomas, INI-NET-VNC-HCS" userId="487bc3e3-9ce7-4cdd-b7b4-8899ea88d289" providerId="ADAL" clId="{92E0BEDB-EFF2-4300-ACD0-25AED2A37988}" dt="2024-10-29T14:46:44.992" v="3509" actId="948"/>
           <ac:spMkLst>
             <pc:docMk/>
             <pc:sldMk cId="269908607" sldId="2145706288"/>
@@ -733,7 +733,7 @@
         </pc:spChg>
       </pc:sldChg>
       <pc:sldChg chg="modSp add mod">
-        <pc:chgData name="Graf Thomas, INI-NET-VNC-HCS" userId="487bc3e3-9ce7-4cdd-b7b4-8899ea88d289" providerId="ADAL" clId="{92E0BEDB-EFF2-4300-ACD0-25AED2A37988}" dt="2024-10-26T09:56:19.984" v="3411" actId="14100"/>
+        <pc:chgData name="Graf Thomas, INI-NET-VNC-HCS" userId="487bc3e3-9ce7-4cdd-b7b4-8899ea88d289" providerId="ADAL" clId="{92E0BEDB-EFF2-4300-ACD0-25AED2A37988}" dt="2024-10-29T14:47:19.437" v="3517" actId="20577"/>
         <pc:sldMkLst>
           <pc:docMk/>
           <pc:sldMk cId="559060690" sldId="2145706289"/>
@@ -763,7 +763,7 @@
           </ac:spMkLst>
         </pc:spChg>
         <pc:spChg chg="mod">
-          <ac:chgData name="Graf Thomas, INI-NET-VNC-HCS" userId="487bc3e3-9ce7-4cdd-b7b4-8899ea88d289" providerId="ADAL" clId="{92E0BEDB-EFF2-4300-ACD0-25AED2A37988}" dt="2024-10-26T09:56:19.984" v="3411" actId="14100"/>
+          <ac:chgData name="Graf Thomas, INI-NET-VNC-HCS" userId="487bc3e3-9ce7-4cdd-b7b4-8899ea88d289" providerId="ADAL" clId="{92E0BEDB-EFF2-4300-ACD0-25AED2A37988}" dt="2024-10-29T14:47:19.437" v="3517" actId="20577"/>
           <ac:spMkLst>
             <pc:docMk/>
             <pc:sldMk cId="559060690" sldId="2145706289"/>
@@ -930,7 +930,7 @@
           <a:p>
             <a:fld id="{E5E705E9-673F-4AC4-B29E-A7B26F3B8523}" type="datetimeFigureOut">
               <a:rPr lang="de-CH" smtClean="0"/>
-              <a:t>26.10.2024</a:t>
+              <a:t>29.10.2024</a:t>
             </a:fld>
             <a:endParaRPr lang="de-CH"/>
           </a:p>
@@ -1555,7 +1555,7 @@
           <a:p>
             <a:fld id="{9E9B238C-2335-4007-98C9-471C02CC43B6}" type="datetimeFigureOut">
               <a:rPr lang="de-CH" smtClean="0"/>
-              <a:t>26.10.2024</a:t>
+              <a:t>29.10.2024</a:t>
             </a:fld>
             <a:endParaRPr lang="de-CH"/>
           </a:p>
@@ -1755,7 +1755,7 @@
           <a:p>
             <a:fld id="{9E9B238C-2335-4007-98C9-471C02CC43B6}" type="datetimeFigureOut">
               <a:rPr lang="de-CH" smtClean="0"/>
-              <a:t>26.10.2024</a:t>
+              <a:t>29.10.2024</a:t>
             </a:fld>
             <a:endParaRPr lang="de-CH"/>
           </a:p>
@@ -1965,7 +1965,7 @@
           <a:p>
             <a:fld id="{9E9B238C-2335-4007-98C9-471C02CC43B6}" type="datetimeFigureOut">
               <a:rPr lang="de-CH" smtClean="0"/>
-              <a:t>26.10.2024</a:t>
+              <a:t>29.10.2024</a:t>
             </a:fld>
             <a:endParaRPr lang="de-CH"/>
           </a:p>
@@ -2394,7 +2394,7 @@
           <a:p>
             <a:fld id="{9E9B238C-2335-4007-98C9-471C02CC43B6}" type="datetimeFigureOut">
               <a:rPr lang="de-CH" smtClean="0"/>
-              <a:t>26.10.2024</a:t>
+              <a:t>29.10.2024</a:t>
             </a:fld>
             <a:endParaRPr lang="de-CH"/>
           </a:p>
@@ -2670,7 +2670,7 @@
           <a:p>
             <a:fld id="{9E9B238C-2335-4007-98C9-471C02CC43B6}" type="datetimeFigureOut">
               <a:rPr lang="de-CH" smtClean="0"/>
-              <a:t>26.10.2024</a:t>
+              <a:t>29.10.2024</a:t>
             </a:fld>
             <a:endParaRPr lang="de-CH"/>
           </a:p>
@@ -2938,7 +2938,7 @@
           <a:p>
             <a:fld id="{9E9B238C-2335-4007-98C9-471C02CC43B6}" type="datetimeFigureOut">
               <a:rPr lang="de-CH" smtClean="0"/>
-              <a:t>26.10.2024</a:t>
+              <a:t>29.10.2024</a:t>
             </a:fld>
             <a:endParaRPr lang="de-CH"/>
           </a:p>
@@ -3353,7 +3353,7 @@
           <a:p>
             <a:fld id="{9E9B238C-2335-4007-98C9-471C02CC43B6}" type="datetimeFigureOut">
               <a:rPr lang="de-CH" smtClean="0"/>
-              <a:t>26.10.2024</a:t>
+              <a:t>29.10.2024</a:t>
             </a:fld>
             <a:endParaRPr lang="de-CH"/>
           </a:p>
@@ -3495,7 +3495,7 @@
           <a:p>
             <a:fld id="{9E9B238C-2335-4007-98C9-471C02CC43B6}" type="datetimeFigureOut">
               <a:rPr lang="de-CH" smtClean="0"/>
-              <a:t>26.10.2024</a:t>
+              <a:t>29.10.2024</a:t>
             </a:fld>
             <a:endParaRPr lang="de-CH"/>
           </a:p>
@@ -3608,7 +3608,7 @@
           <a:p>
             <a:fld id="{9E9B238C-2335-4007-98C9-471C02CC43B6}" type="datetimeFigureOut">
               <a:rPr lang="de-CH" smtClean="0"/>
-              <a:t>26.10.2024</a:t>
+              <a:t>29.10.2024</a:t>
             </a:fld>
             <a:endParaRPr lang="de-CH"/>
           </a:p>
@@ -3921,7 +3921,7 @@
           <a:p>
             <a:fld id="{9E9B238C-2335-4007-98C9-471C02CC43B6}" type="datetimeFigureOut">
               <a:rPr lang="de-CH" smtClean="0"/>
-              <a:t>26.10.2024</a:t>
+              <a:t>29.10.2024</a:t>
             </a:fld>
             <a:endParaRPr lang="de-CH"/>
           </a:p>
@@ -4210,7 +4210,7 @@
           <a:p>
             <a:fld id="{9E9B238C-2335-4007-98C9-471C02CC43B6}" type="datetimeFigureOut">
               <a:rPr lang="de-CH" smtClean="0"/>
-              <a:t>26.10.2024</a:t>
+              <a:t>29.10.2024</a:t>
             </a:fld>
             <a:endParaRPr lang="de-CH"/>
           </a:p>
@@ -4453,7 +4453,7 @@
           <a:p>
             <a:fld id="{9E9B238C-2335-4007-98C9-471C02CC43B6}" type="datetimeFigureOut">
               <a:rPr lang="de-CH" smtClean="0"/>
-              <a:t>26.10.2024</a:t>
+              <a:t>29.10.2024</a:t>
             </a:fld>
             <a:endParaRPr lang="de-CH"/>
           </a:p>
@@ -5290,7 +5290,7 @@
               <a:rPr lang="de-CH" sz="1400" dirty="0">
                 <a:latin typeface="+mj-lt"/>
               </a:rPr>
-              <a:t>26. </a:t>
+              <a:t>29. </a:t>
             </a:r>
             <a:r>
               <a:rPr lang="de-CH" sz="1400" dirty="0" err="1">
@@ -6586,6 +6586,21 @@
               <a:t>-&gt; Incorporate already received feedback from Michael and look forward for feedback from Nacho on Knowledge Graph related changes.</a:t>
             </a:r>
           </a:p>
+          <a:p>
+            <a:pPr>
+              <a:spcBef>
+                <a:spcPts val="0"/>
+              </a:spcBef>
+            </a:pPr>
+            <a:r>
+              <a:rPr lang="en-US" sz="1600" b="1" dirty="0">
+                <a:solidFill>
+                  <a:srgbClr val="FF0000"/>
+                </a:solidFill>
+              </a:rPr>
+              <a:t>-&gt; Looking forward for review and feedback from working group.</a:t>
+            </a:r>
+          </a:p>
         </p:txBody>
       </p:sp>
       <p:sp>
@@ -7066,7 +7081,7 @@
           <a:p>
             <a:pPr marL="0" indent="0">
               <a:spcBef>
-                <a:spcPts val="600"/>
+                <a:spcPts val="300"/>
               </a:spcBef>
               <a:buNone/>
             </a:pPr>
@@ -7089,7 +7104,7 @@
           <a:p>
             <a:pPr marL="0" indent="0">
               <a:spcBef>
-                <a:spcPts val="600"/>
+                <a:spcPts val="300"/>
               </a:spcBef>
               <a:buNone/>
             </a:pPr>
@@ -7134,7 +7149,7 @@
           <a:p>
             <a:pPr marL="0" indent="0">
               <a:spcBef>
-                <a:spcPts val="600"/>
+                <a:spcPts val="300"/>
               </a:spcBef>
               <a:buNone/>
             </a:pPr>
@@ -7151,7 +7166,7 @@
             </a:pPr>
             <a:r>
               <a:rPr lang="en-US" sz="1600" dirty="0"/>
-              <a:t>-&gt; Conversation with </a:t>
+              <a:t>-&gt; Review with </a:t>
             </a:r>
             <a:r>
               <a:rPr lang="en-US" sz="1600" dirty="0">
@@ -7336,7 +7351,7 @@
             </a:pPr>
             <a:r>
               <a:rPr lang="en-US" sz="1600" dirty="0"/>
-              <a:t>Conversation with </a:t>
+              <a:t>Review with </a:t>
             </a:r>
             <a:r>
               <a:rPr lang="en-US" sz="1600" dirty="0">
@@ -7392,6 +7407,21 @@
                 </a:solidFill>
               </a:rPr>
               <a:t>-&gt; See next slides for details.</a:t>
+            </a:r>
+          </a:p>
+          <a:p>
+            <a:pPr>
+              <a:spcBef>
+                <a:spcPts val="0"/>
+              </a:spcBef>
+            </a:pPr>
+            <a:r>
+              <a:rPr lang="en-US" sz="1600" b="1" dirty="0">
+                <a:solidFill>
+                  <a:srgbClr val="FF0000"/>
+                </a:solidFill>
+              </a:rPr>
+              <a:t>-&gt; Looking forward for review and feedback from working group.</a:t>
             </a:r>
           </a:p>
         </p:txBody>
@@ -11035,7 +11065,7 @@
         <p:spPr>
           <a:xfrm>
             <a:off x="838200" y="1541463"/>
-            <a:ext cx="10822038" cy="738633"/>
+            <a:ext cx="10822038" cy="461635"/>
           </a:xfrm>
           <a:prstGeom prst="rect">
             <a:avLst/>
@@ -11094,39 +11124,6 @@
                 <a:sym typeface="Calibri"/>
               </a:rPr>
               <a:t> relate to existing service and network topology YANG modules to enable topology visualization.</a:t>
-            </a:r>
-            <a:br>
-              <a:rPr lang="en-US" b="1" dirty="0">
-                <a:solidFill>
-                  <a:schemeClr val="dk1"/>
-                </a:solidFill>
-                <a:ea typeface="Calibri"/>
-                <a:cs typeface="Calibri"/>
-                <a:sym typeface="Calibri"/>
-              </a:rPr>
-            </a:br>
-            <a:r>
-              <a:rPr lang="en-US" b="1" dirty="0">
-                <a:solidFill>
-                  <a:schemeClr val="dk1"/>
-                </a:solidFill>
-                <a:ea typeface="Calibri"/>
-                <a:cs typeface="Calibri"/>
-                <a:sym typeface="Calibri"/>
-              </a:rPr>
-              <a:t>Repository: </a:t>
-            </a:r>
-            <a:r>
-              <a:rPr lang="en-US" b="1" dirty="0">
-                <a:solidFill>
-                  <a:schemeClr val="dk1"/>
-                </a:solidFill>
-                <a:ea typeface="Calibri"/>
-                <a:cs typeface="Calibri"/>
-                <a:sym typeface="Calibri"/>
-                <a:hlinkClick r:id="rId3"/>
-              </a:rPr>
-              <a:t>ietf-network-anomaly-service-topology%402024-10-18.yang</a:t>
             </a:r>
             <a:endParaRPr b="1" dirty="0">
               <a:solidFill>
@@ -14776,7 +14773,7 @@
           </a:prstGeom>
           <a:extLst>
             <a:ext uri="{C572A759-6A51-4108-AA02-DFA0A04FC94B}">
-              <ma14:wrappingTextBoxFlag xmlns="" xmlns:m="http://schemas.openxmlformats.org/officeDocument/2006/math" xmlns:a14="http://schemas.microsoft.com/office/drawing/2010/main" xmlns:ma14="http://schemas.microsoft.com/office/mac/drawingml/2011/main" val="1"/>
+              <ma14:wrappingTextBoxFlag xmlns:ma14="http://schemas.microsoft.com/office/mac/drawingml/2011/main" xmlns:a14="http://schemas.microsoft.com/office/drawing/2010/main" xmlns:m="http://schemas.openxmlformats.org/officeDocument/2006/math" xmlns="" val="1"/>
             </a:ext>
           </a:extLst>
         </p:spPr>
@@ -14848,7 +14845,7 @@
           </a:ln>
           <a:extLst>
             <a:ext uri="{C572A759-6A51-4108-AA02-DFA0A04FC94B}">
-              <ma14:wrappingTextBoxFlag xmlns="" xmlns:m="http://schemas.openxmlformats.org/officeDocument/2006/math" xmlns:a14="http://schemas.microsoft.com/office/drawing/2010/main" xmlns:ma14="http://schemas.microsoft.com/office/mac/drawingml/2011/main" val="1"/>
+              <ma14:wrappingTextBoxFlag xmlns:ma14="http://schemas.microsoft.com/office/mac/drawingml/2011/main" xmlns:a14="http://schemas.microsoft.com/office/drawing/2010/main" xmlns:m="http://schemas.openxmlformats.org/officeDocument/2006/math" xmlns="" val="1"/>
             </a:ext>
           </a:extLst>
         </p:spPr>
@@ -14962,7 +14959,7 @@
           </a:ln>
           <a:extLst>
             <a:ext uri="{C572A759-6A51-4108-AA02-DFA0A04FC94B}">
-              <ma14:wrappingTextBoxFlag xmlns="" xmlns:m="http://schemas.openxmlformats.org/officeDocument/2006/math" xmlns:a14="http://schemas.microsoft.com/office/drawing/2010/main" xmlns:ma14="http://schemas.microsoft.com/office/mac/drawingml/2011/main" val="1"/>
+              <ma14:wrappingTextBoxFlag xmlns:ma14="http://schemas.microsoft.com/office/mac/drawingml/2011/main" xmlns:a14="http://schemas.microsoft.com/office/drawing/2010/main" xmlns:m="http://schemas.openxmlformats.org/officeDocument/2006/math" xmlns="" val="1"/>
             </a:ext>
           </a:extLst>
         </p:spPr>
